--- a/BaoCaoTotNghiep/Poster.pptx
+++ b/BaoCaoTotNghiep/Poster.pptx
@@ -3578,7 +3578,6 @@
           <a:p>
             <a:pPr algn="ctr"/>
             <a:endParaRPr lang="en-US" altLang="zh-CN" sz="7200" b="1">
-              <a:ln/>
               <a:solidFill>
                 <a:schemeClr val="tx1"/>
               </a:solidFill>
@@ -3619,7 +3618,6 @@
           <a:p>
             <a:pPr algn="ctr"/>
             <a:endParaRPr lang="en-US" altLang="zh-CN" sz="7200" b="1">
-              <a:ln/>
               <a:solidFill>
                 <a:schemeClr val="tx1"/>
               </a:solidFill>
@@ -3662,7 +3660,6 @@
             <a:pPr algn="ctr"/>
             <a:r>
               <a:rPr lang="en-US" altLang="zh-CN" sz="7200" b="1">
-                <a:ln/>
                 <a:solidFill>
                   <a:schemeClr val="tx1"/>
                 </a:solidFill>
@@ -3679,7 +3676,6 @@
               <a:t>BỘ CÔNG THƯƠNG</a:t>
             </a:r>
             <a:endParaRPr lang="en-US" altLang="zh-CN" sz="7200" b="1">
-              <a:ln/>
               <a:solidFill>
                 <a:schemeClr val="tx1"/>
               </a:solidFill>
@@ -3698,7 +3694,6 @@
             <a:pPr algn="ctr"/>
             <a:r>
               <a:rPr lang="en-US" altLang="zh-CN" sz="7200" b="1">
-                <a:ln/>
                 <a:solidFill>
                   <a:schemeClr val="tx1"/>
                 </a:solidFill>
@@ -3715,7 +3710,6 @@
               <a:t>TRƯỜNG ĐẠI HỌC CÔNG NGHIỆP THÀNH PHỐ HỒ CHÍ MINH</a:t>
             </a:r>
             <a:endParaRPr lang="en-US" altLang="zh-CN" sz="7200" b="1">
-              <a:ln/>
               <a:solidFill>
                 <a:schemeClr val="tx1"/>
               </a:solidFill>
@@ -3734,7 +3728,6 @@
             <a:pPr algn="ctr"/>
             <a:r>
               <a:rPr lang="en-US" altLang="zh-CN" sz="7200" b="1">
-                <a:ln/>
                 <a:solidFill>
                   <a:schemeClr val="tx1"/>
                 </a:solidFill>
@@ -3751,7 +3744,6 @@
               <a:t>KHOA CÔNG NGHỆ THÔNG TIN</a:t>
             </a:r>
             <a:endParaRPr lang="en-US" altLang="zh-CN" sz="7200" b="1">
-              <a:ln/>
               <a:solidFill>
                 <a:schemeClr val="tx1"/>
               </a:solidFill>
@@ -3819,7 +3811,6 @@
             <a:pPr algn="ctr"/>
             <a:r>
               <a:rPr lang="en-US" altLang="zh-CN" sz="6000" b="1">
-                <a:ln/>
                 <a:solidFill>
                   <a:schemeClr val="tx1"/>
                 </a:solidFill>
@@ -3836,7 +3827,6 @@
               <a:t>ĐỀ TÀI: ỨNG DỤNG CÂY QUYẾT ĐỊNH ĐỂ PHÂN LOẠI NGƯỜI DÙNG TRONG THƯƠNG MẠI ĐIỆN TỬ</a:t>
             </a:r>
             <a:endParaRPr lang="en-US" altLang="zh-CN" sz="6000" b="1">
-              <a:ln/>
               <a:solidFill>
                 <a:schemeClr val="tx1"/>
               </a:solidFill>
@@ -3861,8 +3851,8 @@
         </p:nvSpPr>
         <p:spPr>
           <a:xfrm>
-            <a:off x="2874010" y="12550140"/>
-            <a:ext cx="23154640" cy="1938020"/>
+            <a:off x="2874010" y="11983085"/>
+            <a:ext cx="23154640" cy="2861310"/>
           </a:xfrm>
           <a:prstGeom prst="rect">
             <a:avLst/>
@@ -3874,31 +3864,47 @@
             <a:spAutoFit/>
           </a:bodyPr>
           <a:p>
-            <a:r>
-              <a:rPr lang="" altLang="en-US" sz="6000">
+            <a:pPr algn="l"/>
+            <a:r>
+              <a:rPr lang="en-US" altLang="en-US" sz="6000">
                 <a:latin typeface="Times New Roman" panose="02020603050405020304" charset="0"/>
                 <a:cs typeface="Times New Roman" panose="02020603050405020304" charset="0"/>
               </a:rPr>
-              <a:t>Họ và tên sinh viên : Nguyễn Vũ Khánh Huy  	MSSV: 16025591</a:t>
-            </a:r>
-            <a:endParaRPr lang="" altLang="en-US" sz="6000">
+              <a:t>Họ và tên sinh viên : Nguyễn Vũ Khánh Huy  	</a:t>
+            </a:r>
+            <a:endParaRPr lang="en-US" altLang="en-US" sz="6000">
               <a:latin typeface="Times New Roman" panose="02020603050405020304" charset="0"/>
               <a:cs typeface="Times New Roman" panose="02020603050405020304" charset="0"/>
             </a:endParaRPr>
           </a:p>
           <a:p>
-            <a:r>
-              <a:rPr lang="" altLang="en-US" sz="6000">
+            <a:pPr algn="l"/>
+            <a:r>
+              <a:rPr lang="en-US" altLang="en-US" sz="6000">
                 <a:latin typeface="Times New Roman" panose="02020603050405020304" charset="0"/>
                 <a:cs typeface="Times New Roman" panose="02020603050405020304" charset="0"/>
               </a:rPr>
-              <a:t>Lớp: DHKHMT12A</a:t>
-            </a:r>
-            <a:endParaRPr lang="" altLang="en-US" sz="6000">
+              <a:t>MSSV: 16025591</a:t>
+            </a:r>
+            <a:endParaRPr lang="en-US" altLang="en-US" sz="6000">
               <a:latin typeface="Times New Roman" panose="02020603050405020304" charset="0"/>
               <a:cs typeface="Times New Roman" panose="02020603050405020304" charset="0"/>
             </a:endParaRPr>
           </a:p>
+          <a:p>
+            <a:pPr algn="l"/>
+            <a:r>
+              <a:rPr lang="en-US" altLang="en-US" sz="6000">
+                <a:latin typeface="Times New Roman" panose="02020603050405020304" charset="0"/>
+                <a:cs typeface="Times New Roman" panose="02020603050405020304" charset="0"/>
+              </a:rPr>
+              <a:t>Lớp: DHKHMT12A</a:t>
+            </a:r>
+            <a:endParaRPr lang="en-US" altLang="en-US" sz="6000">
+              <a:latin typeface="Times New Roman" panose="02020603050405020304" charset="0"/>
+              <a:cs typeface="Times New Roman" panose="02020603050405020304" charset="0"/>
+            </a:endParaRPr>
+          </a:p>
         </p:txBody>
       </p:sp>
       <p:sp>
@@ -3909,7 +3915,7 @@
         </p:nvSpPr>
         <p:spPr>
           <a:xfrm>
-            <a:off x="2874010" y="10968355"/>
+            <a:off x="2874010" y="10674985"/>
             <a:ext cx="20795615" cy="1014730"/>
           </a:xfrm>
           <a:prstGeom prst="rect">
@@ -3960,26 +3966,26 @@
           </a:bodyPr>
           <a:p>
             <a:r>
-              <a:rPr lang="" altLang="en-US" sz="4000" b="1">
+              <a:rPr lang="en-US" altLang="en-US" sz="4000" b="1">
                 <a:latin typeface="Times New Roman" panose="02020603050405020304" charset="0"/>
                 <a:cs typeface="Times New Roman" panose="02020603050405020304" charset="0"/>
               </a:rPr>
               <a:t>1.Mô tả đề tài </a:t>
             </a:r>
-            <a:endParaRPr lang="" altLang="en-US" sz="4000">
+            <a:endParaRPr lang="en-US" altLang="en-US" sz="4000">
               <a:latin typeface="Times New Roman" panose="02020603050405020304" charset="0"/>
               <a:cs typeface="Times New Roman" panose="02020603050405020304" charset="0"/>
             </a:endParaRPr>
           </a:p>
           <a:p>
             <a:r>
-              <a:rPr lang="" altLang="en-US" sz="4000">
+              <a:rPr lang="en-US" altLang="en-US" sz="4000">
                 <a:latin typeface="Times New Roman" panose="02020603050405020304" charset="0"/>
                 <a:cs typeface="Times New Roman" panose="02020603050405020304" charset="0"/>
               </a:rPr>
               <a:t>Giải quyết các vấn đề trong E-tailing mà cụ thể là bài toán phân loại người dùng. Dựa vào cây quyết định, để tìm ra sự liên quan giữa các thuộc tính trên một hóa đơn và hành vi tiêu dùng của người dùng trên sàn thương mại điện tử</a:t>
             </a:r>
-            <a:endParaRPr lang="" altLang="en-US" sz="4000">
+            <a:endParaRPr lang="en-US" altLang="en-US" sz="4000">
               <a:latin typeface="Times New Roman" panose="02020603050405020304" charset="0"/>
               <a:cs typeface="Times New Roman" panose="02020603050405020304" charset="0"/>
             </a:endParaRPr>
@@ -4008,26 +4014,26 @@
           </a:bodyPr>
           <a:p>
             <a:r>
-              <a:rPr lang="" altLang="en-US" sz="4000" b="1">
+              <a:rPr lang="en-US" altLang="en-US" sz="4000" b="1">
                 <a:latin typeface="Times New Roman" panose="02020603050405020304" charset="0"/>
                 <a:cs typeface="Times New Roman" panose="02020603050405020304" charset="0"/>
               </a:rPr>
               <a:t>2. Lý do chọn đề tài</a:t>
             </a:r>
-            <a:endParaRPr lang="" altLang="en-US" sz="4000">
+            <a:endParaRPr lang="en-US" altLang="en-US" sz="4000">
               <a:latin typeface="Times New Roman" panose="02020603050405020304" charset="0"/>
               <a:cs typeface="Times New Roman" panose="02020603050405020304" charset="0"/>
             </a:endParaRPr>
           </a:p>
           <a:p>
             <a:r>
-              <a:rPr lang="" altLang="en-US" sz="4000">
+              <a:rPr lang="en-US" altLang="en-US" sz="4000">
                 <a:latin typeface="Times New Roman" panose="02020603050405020304" charset="0"/>
                 <a:cs typeface="Times New Roman" panose="02020603050405020304" charset="0"/>
               </a:rPr>
               <a:t>Phân loại người dùng là giải pháp tăng doanh thu cho các doanh nghiệp khi giúp họ hiểu và phục vụ chính xác hơn cho nhu cầu của từng người dùng.</a:t>
             </a:r>
-            <a:endParaRPr lang="" altLang="en-US" sz="4000">
+            <a:endParaRPr lang="en-US" altLang="en-US" sz="4000">
               <a:latin typeface="Times New Roman" panose="02020603050405020304" charset="0"/>
               <a:cs typeface="Times New Roman" panose="02020603050405020304" charset="0"/>
             </a:endParaRPr>
@@ -4056,26 +4062,26 @@
           </a:bodyPr>
           <a:p>
             <a:r>
-              <a:rPr lang="" altLang="en-US" sz="4000" b="1">
+              <a:rPr lang="en-US" altLang="en-US" sz="4000" b="1">
                 <a:latin typeface="Times New Roman" panose="02020603050405020304" charset="0"/>
                 <a:cs typeface="Times New Roman" panose="02020603050405020304" charset="0"/>
               </a:rPr>
               <a:t>3. Mục tiêu đề tài</a:t>
             </a:r>
-            <a:endParaRPr lang="" altLang="en-US" sz="4000">
+            <a:endParaRPr lang="en-US" altLang="en-US" sz="4000">
               <a:latin typeface="Times New Roman" panose="02020603050405020304" charset="0"/>
               <a:cs typeface="Times New Roman" panose="02020603050405020304" charset="0"/>
             </a:endParaRPr>
           </a:p>
           <a:p>
             <a:r>
-              <a:rPr lang="" altLang="en-US" sz="4000">
+              <a:rPr lang="en-US" altLang="en-US" sz="4000">
                 <a:latin typeface="Times New Roman" panose="02020603050405020304" charset="0"/>
                 <a:cs typeface="Times New Roman" panose="02020603050405020304" charset="0"/>
               </a:rPr>
               <a:t>Áp dụng cây quyết định để phân loại người dùng cùng các thuật toán được cải tiến từ cây quyết định như random forest, adaboost và các thuật toán không liên quan đến cây quyết định như logistic regression, KNN để áp dụng và so sánh trên tập người dùng 500000 dòng.</a:t>
             </a:r>
-            <a:endParaRPr lang="" altLang="en-US" sz="4000">
+            <a:endParaRPr lang="en-US" altLang="en-US" sz="4000">
               <a:latin typeface="Times New Roman" panose="02020603050405020304" charset="0"/>
               <a:cs typeface="Times New Roman" panose="02020603050405020304" charset="0"/>
             </a:endParaRPr>
@@ -4104,7 +4110,7 @@
           </a:bodyPr>
           <a:p>
             <a:r>
-              <a:rPr lang="" altLang="en-US" sz="4000" b="1">
+              <a:rPr lang="en-US" altLang="en-US" sz="4000" b="1">
                 <a:latin typeface="Times New Roman" panose="02020603050405020304" charset="0"/>
                 <a:cs typeface="Times New Roman" panose="02020603050405020304" charset="0"/>
               </a:rPr>
@@ -4159,7 +4165,7 @@
           </a:bodyPr>
           <a:p>
             <a:r>
-              <a:rPr lang="" altLang="en-US" sz="4000" b="1">
+              <a:rPr lang="en-US" altLang="en-US" sz="4000" b="1">
                 <a:latin typeface="Times New Roman" panose="02020603050405020304" charset="0"/>
                 <a:cs typeface="Times New Roman" panose="02020603050405020304" charset="0"/>
               </a:rPr>
@@ -4285,13 +4291,13 @@
           </a:bodyPr>
           <a:p>
             <a:r>
-              <a:rPr lang="" altLang="en-US" sz="4000" b="1">
+              <a:rPr lang="en-US" altLang="en-US" sz="4000" b="1">
                 <a:latin typeface="Times New Roman" panose="02020603050405020304" charset="0"/>
                 <a:cs typeface="Times New Roman" panose="02020603050405020304" charset="0"/>
               </a:rPr>
               <a:t>6. Kết quả</a:t>
             </a:r>
-            <a:endParaRPr lang="" altLang="en-US" sz="4000" b="1">
+            <a:endParaRPr lang="en-US" altLang="en-US" sz="4000" b="1">
               <a:latin typeface="Times New Roman" panose="02020603050405020304" charset="0"/>
               <a:cs typeface="Times New Roman" panose="02020603050405020304" charset="0"/>
             </a:endParaRPr>
@@ -4373,13 +4379,13 @@
           <a:p>
             <a:pPr algn="ctr"/>
             <a:r>
-              <a:rPr lang="" altLang="en-US" sz="2000">
+              <a:rPr lang="en-US" altLang="en-US" sz="2000">
                 <a:latin typeface="Times New Roman" panose="02020603050405020304" charset="0"/>
                 <a:cs typeface="Times New Roman" panose="02020603050405020304" charset="0"/>
               </a:rPr>
               <a:t>Hình ảnh 5 cụm sản phẩm .</a:t>
             </a:r>
-            <a:endParaRPr lang="" altLang="en-US" sz="2000">
+            <a:endParaRPr lang="en-US" altLang="en-US" sz="2000">
               <a:latin typeface="Times New Roman" panose="02020603050405020304" charset="0"/>
               <a:cs typeface="Times New Roman" panose="02020603050405020304" charset="0"/>
             </a:endParaRPr>
@@ -4409,13 +4415,13 @@
           <a:p>
             <a:pPr algn="ctr"/>
             <a:r>
-              <a:rPr lang="" altLang="en-US" sz="2000">
+              <a:rPr lang="en-US" altLang="en-US" sz="2000">
                 <a:latin typeface="Times New Roman" panose="02020603050405020304" charset="0"/>
                 <a:cs typeface="Times New Roman" panose="02020603050405020304" charset="0"/>
               </a:rPr>
               <a:t>Hình ảnh 11 cụm người dùng. </a:t>
             </a:r>
-            <a:endParaRPr lang="" altLang="en-US" sz="2000">
+            <a:endParaRPr lang="en-US" altLang="en-US" sz="2000">
               <a:latin typeface="Times New Roman" panose="02020603050405020304" charset="0"/>
               <a:cs typeface="Times New Roman" panose="02020603050405020304" charset="0"/>
             </a:endParaRPr>
@@ -4438,8 +4444,8 @@
         </p:blipFill>
         <p:spPr>
           <a:xfrm>
-            <a:off x="20709255" y="27889200"/>
-            <a:ext cx="5319395" cy="3980815"/>
+            <a:off x="21031835" y="27889200"/>
+            <a:ext cx="4674235" cy="3980815"/>
           </a:xfrm>
           <a:prstGeom prst="rect">
             <a:avLst/>
@@ -4466,8 +4472,8 @@
         </p:blipFill>
         <p:spPr>
           <a:xfrm>
-            <a:off x="13802995" y="27889200"/>
-            <a:ext cx="5650865" cy="3980815"/>
+            <a:off x="13639165" y="27889200"/>
+            <a:ext cx="4595495" cy="3980815"/>
           </a:xfrm>
           <a:prstGeom prst="rect">
             <a:avLst/>
@@ -4551,7 +4557,7 @@
         <p:spPr>
           <a:xfrm>
             <a:off x="24004270" y="22746970"/>
-            <a:ext cx="4339590" cy="3992880"/>
+            <a:ext cx="4695190" cy="3992880"/>
           </a:xfrm>
           <a:prstGeom prst="rect">
             <a:avLst/>
@@ -4737,13 +4743,13 @@
           <a:p>
             <a:pPr algn="l"/>
             <a:r>
-              <a:rPr lang="" altLang="en-US" sz="3200">
+              <a:rPr lang="en-US" altLang="en-US" sz="3200">
                 <a:latin typeface="Times New Roman" panose="02020603050405020304" charset="0"/>
                 <a:cs typeface="Times New Roman" panose="02020603050405020304" charset="0"/>
               </a:rPr>
               <a:t>Email : khanhhuynguyenvu@gmail.com 		Phone: 0938294687.</a:t>
             </a:r>
-            <a:endParaRPr lang="" altLang="en-US" sz="3200">
+            <a:endParaRPr lang="en-US" altLang="en-US" sz="3200">
               <a:latin typeface="Times New Roman" panose="02020603050405020304" charset="0"/>
               <a:cs typeface="Times New Roman" panose="02020603050405020304" charset="0"/>
             </a:endParaRPr>
@@ -4773,7 +4779,7 @@
           <a:p>
             <a:pPr algn="ctr"/>
             <a:r>
-              <a:rPr lang="" altLang="en-US" sz="2000">
+              <a:rPr lang="en-US" altLang="en-US" sz="2000">
                 <a:latin typeface="Times New Roman" panose="02020603050405020304" charset="0"/>
                 <a:cs typeface="Times New Roman" panose="02020603050405020304" charset="0"/>
               </a:rPr>
@@ -4801,7 +4807,7 @@
         </p:nvSpPr>
         <p:spPr>
           <a:xfrm>
-            <a:off x="17384395" y="27049095"/>
+            <a:off x="17394555" y="27049095"/>
             <a:ext cx="4531995" cy="398780"/>
           </a:xfrm>
           <a:prstGeom prst="rect">
@@ -4816,7 +4822,7 @@
           <a:p>
             <a:pPr algn="ctr"/>
             <a:r>
-              <a:rPr lang="" altLang="en-US" sz="2000">
+              <a:rPr lang="en-US" altLang="en-US" sz="2000">
                 <a:latin typeface="Times New Roman" panose="02020603050405020304" charset="0"/>
                 <a:cs typeface="Times New Roman" panose="02020603050405020304" charset="0"/>
               </a:rPr>
@@ -4844,7 +4850,7 @@
         </p:nvSpPr>
         <p:spPr>
           <a:xfrm>
-            <a:off x="24004270" y="27079575"/>
+            <a:off x="24182705" y="27079575"/>
             <a:ext cx="4338955" cy="368300"/>
           </a:xfrm>
           <a:prstGeom prst="rect">
@@ -4931,7 +4937,7 @@
               <a:t> </a:t>
             </a:r>
             <a:r>
-              <a:rPr lang="" altLang="en-US" sz="2000">
+              <a:rPr lang="en-US" altLang="en-US" sz="2000">
                 <a:latin typeface="Times New Roman" panose="02020603050405020304" charset="0"/>
                 <a:cs typeface="Times New Roman" panose="02020603050405020304" charset="0"/>
               </a:rPr>
@@ -4973,8 +4979,7 @@
           </a:bodyPr>
           <a:p>
             <a:r>
-              <a:rPr lang="" altLang="en-US" sz="4000" b="1">
-                <a:ln/>
+              <a:rPr lang="en-US" altLang="en-US" sz="4000" b="1">
                 <a:solidFill>
                   <a:schemeClr val="tx1"/>
                 </a:solidFill>
@@ -4985,8 +4990,7 @@
               <a:t>7. Kết luận:</a:t>
             </a:r>
             <a:r>
-              <a:rPr lang="" altLang="en-US" sz="4000">
-                <a:ln/>
+              <a:rPr lang="en-US" altLang="en-US" sz="4000">
                 <a:solidFill>
                   <a:schemeClr val="tx1"/>
                 </a:solidFill>
@@ -4996,8 +5000,7 @@
               </a:rPr>
               <a:t> Bằng các kết quả kiểm thử , ta thấy cây quyết định là một thuật toán phụ thuộc rất lớn vào tập dữ liệu. Thậm chí với một sự thay đổi nhỏ trong bộ dữ liệu, cấu trúc và mô hình cây có thể thay đổi hoàn toàn. Overfitting là vấn đề thường xuyên gặp phải kể cả khi sử dụng các thuật toán tiên tiến hơn như random forest, adaboost cũng vẫn gặp phải.</a:t>
             </a:r>
-            <a:endParaRPr lang="" altLang="en-US" sz="4000">
-              <a:ln/>
+            <a:endParaRPr lang="en-US" altLang="en-US" sz="4000">
               <a:solidFill>
                 <a:schemeClr val="tx1"/>
               </a:solidFill>
